--- a/session-6-regression/session-6-regression.pptx
+++ b/session-6-regression/session-6-regression.pptx
@@ -8,13 +8,14 @@
     <p:sldId id="310" r:id="rId2"/>
     <p:sldId id="256" r:id="rId3"/>
     <p:sldId id="257" r:id="rId4"/>
-    <p:sldId id="272" r:id="rId5"/>
-    <p:sldId id="309" r:id="rId6"/>
-    <p:sldId id="307" r:id="rId7"/>
-    <p:sldId id="308" r:id="rId8"/>
-    <p:sldId id="312" r:id="rId9"/>
-    <p:sldId id="311" r:id="rId10"/>
-    <p:sldId id="306" r:id="rId11"/>
+    <p:sldId id="313" r:id="rId5"/>
+    <p:sldId id="272" r:id="rId6"/>
+    <p:sldId id="309" r:id="rId7"/>
+    <p:sldId id="307" r:id="rId8"/>
+    <p:sldId id="308" r:id="rId9"/>
+    <p:sldId id="312" r:id="rId10"/>
+    <p:sldId id="311" r:id="rId11"/>
+    <p:sldId id="306" r:id="rId12"/>
   </p:sldIdLst>
   <p:sldSz cx="9144000" cy="6858000" type="screen4x3"/>
   <p:notesSz cx="6858000" cy="9144000"/>
@@ -311,7 +312,7 @@
           <a:p>
             <a:fld id="{FED704DD-ECE8-4EBA-89AC-54C15DA6AD2B}" type="datetimeFigureOut">
               <a:rPr lang="en-US" smtClean="0"/>
-              <a:t>3/26/2023</a:t>
+              <a:t>3/29/2023</a:t>
             </a:fld>
             <a:endParaRPr lang="en-US"/>
           </a:p>
@@ -479,7 +480,7 @@
           <a:p>
             <a:fld id="{FED704DD-ECE8-4EBA-89AC-54C15DA6AD2B}" type="datetimeFigureOut">
               <a:rPr lang="en-US" smtClean="0"/>
-              <a:t>3/26/2023</a:t>
+              <a:t>3/29/2023</a:t>
             </a:fld>
             <a:endParaRPr lang="en-US"/>
           </a:p>
@@ -657,7 +658,7 @@
           <a:p>
             <a:fld id="{FED704DD-ECE8-4EBA-89AC-54C15DA6AD2B}" type="datetimeFigureOut">
               <a:rPr lang="en-US" smtClean="0"/>
-              <a:t>3/26/2023</a:t>
+              <a:t>3/29/2023</a:t>
             </a:fld>
             <a:endParaRPr lang="en-US"/>
           </a:p>
@@ -825,7 +826,7 @@
           <a:p>
             <a:fld id="{FED704DD-ECE8-4EBA-89AC-54C15DA6AD2B}" type="datetimeFigureOut">
               <a:rPr lang="en-US" smtClean="0"/>
-              <a:t>3/26/2023</a:t>
+              <a:t>3/29/2023</a:t>
             </a:fld>
             <a:endParaRPr lang="en-US"/>
           </a:p>
@@ -1070,7 +1071,7 @@
           <a:p>
             <a:fld id="{FED704DD-ECE8-4EBA-89AC-54C15DA6AD2B}" type="datetimeFigureOut">
               <a:rPr lang="en-US" smtClean="0"/>
-              <a:t>3/26/2023</a:t>
+              <a:t>3/29/2023</a:t>
             </a:fld>
             <a:endParaRPr lang="en-US"/>
           </a:p>
@@ -1355,7 +1356,7 @@
           <a:p>
             <a:fld id="{FED704DD-ECE8-4EBA-89AC-54C15DA6AD2B}" type="datetimeFigureOut">
               <a:rPr lang="en-US" smtClean="0"/>
-              <a:t>3/26/2023</a:t>
+              <a:t>3/29/2023</a:t>
             </a:fld>
             <a:endParaRPr lang="en-US"/>
           </a:p>
@@ -1774,7 +1775,7 @@
           <a:p>
             <a:fld id="{FED704DD-ECE8-4EBA-89AC-54C15DA6AD2B}" type="datetimeFigureOut">
               <a:rPr lang="en-US" smtClean="0"/>
-              <a:t>3/26/2023</a:t>
+              <a:t>3/29/2023</a:t>
             </a:fld>
             <a:endParaRPr lang="en-US"/>
           </a:p>
@@ -1891,7 +1892,7 @@
           <a:p>
             <a:fld id="{FED704DD-ECE8-4EBA-89AC-54C15DA6AD2B}" type="datetimeFigureOut">
               <a:rPr lang="en-US" smtClean="0"/>
-              <a:t>3/26/2023</a:t>
+              <a:t>3/29/2023</a:t>
             </a:fld>
             <a:endParaRPr lang="en-US"/>
           </a:p>
@@ -1986,7 +1987,7 @@
           <a:p>
             <a:fld id="{FED704DD-ECE8-4EBA-89AC-54C15DA6AD2B}" type="datetimeFigureOut">
               <a:rPr lang="en-US" smtClean="0"/>
-              <a:t>3/26/2023</a:t>
+              <a:t>3/29/2023</a:t>
             </a:fld>
             <a:endParaRPr lang="en-US"/>
           </a:p>
@@ -2261,7 +2262,7 @@
           <a:p>
             <a:fld id="{FED704DD-ECE8-4EBA-89AC-54C15DA6AD2B}" type="datetimeFigureOut">
               <a:rPr lang="en-US" smtClean="0"/>
-              <a:t>3/26/2023</a:t>
+              <a:t>3/29/2023</a:t>
             </a:fld>
             <a:endParaRPr lang="en-US"/>
           </a:p>
@@ -2513,7 +2514,7 @@
           <a:p>
             <a:fld id="{FED704DD-ECE8-4EBA-89AC-54C15DA6AD2B}" type="datetimeFigureOut">
               <a:rPr lang="en-US" smtClean="0"/>
-              <a:t>3/26/2023</a:t>
+              <a:t>3/29/2023</a:t>
             </a:fld>
             <a:endParaRPr lang="en-US"/>
           </a:p>
@@ -2724,7 +2725,7 @@
           <a:p>
             <a:fld id="{FED704DD-ECE8-4EBA-89AC-54C15DA6AD2B}" type="datetimeFigureOut">
               <a:rPr lang="en-US" smtClean="0"/>
-              <a:t>3/26/2023</a:t>
+              <a:t>3/29/2023</a:t>
             </a:fld>
             <a:endParaRPr lang="en-US"/>
           </a:p>
@@ -3252,6 +3253,194 @@
         </p:nvSpPr>
         <p:spPr/>
         <p:txBody>
+          <a:bodyPr>
+            <a:normAutofit fontScale="92500" lnSpcReduction="20000"/>
+          </a:bodyPr>
+          <a:lstStyle/>
+          <a:p>
+            <a:pPr marL="385763" indent="-385763">
+              <a:buAutoNum type="arabicPeriod"/>
+            </a:pPr>
+            <a:r>
+              <a:rPr lang="en-US" dirty="0"/>
+              <a:t>Intro to R </a:t>
+            </a:r>
+            <a:r>
+              <a:rPr lang="en-US" dirty="0" err="1"/>
+              <a:t>dataframes</a:t>
+            </a:r>
+            <a:endParaRPr lang="en-US" dirty="0"/>
+          </a:p>
+          <a:p>
+            <a:pPr marL="385763" indent="-385763">
+              <a:buAutoNum type="arabicPeriod"/>
+            </a:pPr>
+            <a:r>
+              <a:rPr lang="en-US" dirty="0"/>
+              <a:t>Visualizations with </a:t>
+            </a:r>
+            <a:r>
+              <a:rPr lang="en-US" dirty="0" err="1"/>
+              <a:t>ggplot</a:t>
+            </a:r>
+            <a:endParaRPr lang="en-US" b="1" dirty="0"/>
+          </a:p>
+          <a:p>
+            <a:pPr marL="385763" indent="-385763">
+              <a:buFont typeface="Arial" panose="020B0604020202020204" pitchFamily="34" charset="0"/>
+              <a:buAutoNum type="arabicPeriod"/>
+            </a:pPr>
+            <a:r>
+              <a:rPr lang="en-US" dirty="0"/>
+              <a:t>Data Wrangling with the </a:t>
+            </a:r>
+            <a:r>
+              <a:rPr lang="en-US" dirty="0" err="1"/>
+              <a:t>Tidyverse</a:t>
+            </a:r>
+            <a:endParaRPr lang="en-US" dirty="0"/>
+          </a:p>
+          <a:p>
+            <a:pPr marL="385763" indent="-385763">
+              <a:buAutoNum type="arabicPeriod"/>
+            </a:pPr>
+            <a:r>
+              <a:rPr lang="en-US" dirty="0"/>
+              <a:t>GIS with sf</a:t>
+            </a:r>
+          </a:p>
+          <a:p>
+            <a:pPr marL="385763" indent="-385763">
+              <a:buAutoNum type="arabicPeriod"/>
+            </a:pPr>
+            <a:r>
+              <a:rPr lang="en-US" dirty="0"/>
+              <a:t>Software Engineering for Researchers</a:t>
+            </a:r>
+          </a:p>
+          <a:p>
+            <a:pPr marL="385763" indent="-385763">
+              <a:buAutoNum type="arabicPeriod"/>
+            </a:pPr>
+            <a:r>
+              <a:rPr lang="en-US" dirty="0"/>
+              <a:t>Regression</a:t>
+            </a:r>
+          </a:p>
+          <a:p>
+            <a:pPr marL="385763" indent="-385763">
+              <a:buAutoNum type="arabicPeriod"/>
+            </a:pPr>
+            <a:endParaRPr lang="en-US" dirty="0"/>
+          </a:p>
+          <a:p>
+            <a:pPr marL="0" indent="0">
+              <a:buNone/>
+            </a:pPr>
+            <a:r>
+              <a:rPr lang="en-US" dirty="0"/>
+              <a:t>I’ll leave the </a:t>
+            </a:r>
+            <a:r>
+              <a:rPr lang="en-US" dirty="0" err="1"/>
+              <a:t>github</a:t>
+            </a:r>
+            <a:r>
+              <a:rPr lang="en-US" dirty="0"/>
+              <a:t> files up.</a:t>
+            </a:r>
+          </a:p>
+          <a:p>
+            <a:pPr marL="0" indent="0">
+              <a:buNone/>
+            </a:pPr>
+            <a:r>
+              <a:rPr lang="en-US" dirty="0"/>
+              <a:t>Feel free to email at </a:t>
+            </a:r>
+            <a:r>
+              <a:rPr lang="en-US" dirty="0">
+                <a:hlinkClick r:id="rId2"/>
+              </a:rPr>
+              <a:t>jonathan.tannen@gmail.com</a:t>
+            </a:r>
+            <a:r>
+              <a:rPr lang="en-US" dirty="0"/>
+              <a:t> </a:t>
+            </a:r>
+          </a:p>
+          <a:p>
+            <a:pPr marL="385763" indent="-385763">
+              <a:buAutoNum type="arabicPeriod"/>
+            </a:pPr>
+            <a:endParaRPr lang="en-US" dirty="0"/>
+          </a:p>
+        </p:txBody>
+      </p:sp>
+    </p:spTree>
+    <p:extLst>
+      <p:ext uri="{BB962C8B-B14F-4D97-AF65-F5344CB8AC3E}">
+        <p14:creationId xmlns:p14="http://schemas.microsoft.com/office/powerpoint/2010/main" val="3965328471"/>
+      </p:ext>
+    </p:extLst>
+  </p:cSld>
+  <p:clrMapOvr>
+    <a:masterClrMapping/>
+  </p:clrMapOvr>
+</p:sld>
+</file>
+
+<file path=ppt/slides/slide11.xml><?xml version="1.0" encoding="utf-8"?>
+<p:sld xmlns:a="http://schemas.openxmlformats.org/drawingml/2006/main" xmlns:r="http://schemas.openxmlformats.org/officeDocument/2006/relationships" xmlns:p="http://schemas.openxmlformats.org/presentationml/2006/main">
+  <p:cSld>
+    <p:spTree>
+      <p:nvGrpSpPr>
+        <p:cNvPr id="1" name=""/>
+        <p:cNvGrpSpPr/>
+        <p:nvPr/>
+      </p:nvGrpSpPr>
+      <p:grpSpPr>
+        <a:xfrm>
+          <a:off x="0" y="0"/>
+          <a:ext cx="0" cy="0"/>
+          <a:chOff x="0" y="0"/>
+          <a:chExt cx="0" cy="0"/>
+        </a:xfrm>
+      </p:grpSpPr>
+      <p:sp>
+        <p:nvSpPr>
+          <p:cNvPr id="2" name="Title 1"/>
+          <p:cNvSpPr>
+            <a:spLocks noGrp="1"/>
+          </p:cNvSpPr>
+          <p:nvPr>
+            <p:ph type="title"/>
+          </p:nvPr>
+        </p:nvSpPr>
+        <p:spPr/>
+        <p:txBody>
+          <a:bodyPr/>
+          <a:lstStyle/>
+          <a:p>
+            <a:r>
+              <a:rPr lang="en-US" dirty="0"/>
+              <a:t>Reflection</a:t>
+            </a:r>
+          </a:p>
+        </p:txBody>
+      </p:sp>
+      <p:sp>
+        <p:nvSpPr>
+          <p:cNvPr id="3" name="Content Placeholder 2"/>
+          <p:cNvSpPr>
+            <a:spLocks noGrp="1"/>
+          </p:cNvSpPr>
+          <p:nvPr>
+            <p:ph idx="1"/>
+          </p:nvPr>
+        </p:nvSpPr>
+        <p:spPr/>
+        <p:txBody>
           <a:bodyPr/>
           <a:lstStyle/>
           <a:p>
@@ -3272,6 +3461,32 @@
             <a:r>
               <a:rPr lang="en-US" dirty="0"/>
               <a:t>What are your next steps as an (R?) programmer?</a:t>
+            </a:r>
+          </a:p>
+          <a:p>
+            <a:pPr>
+              <a:buFontTx/>
+              <a:buChar char="-"/>
+            </a:pPr>
+            <a:r>
+              <a:rPr lang="en-US" dirty="0"/>
+              <a:t>In the next days: (quick) feedback form.</a:t>
+            </a:r>
+          </a:p>
+          <a:p>
+            <a:pPr lvl="1">
+              <a:buFontTx/>
+              <a:buChar char="-"/>
+            </a:pPr>
+            <a:r>
+              <a:rPr lang="en-US" dirty="0">
+                <a:hlinkClick r:id="rId2"/>
+              </a:rPr>
+              <a:t>https://forms.gle/je3WupBteQJV7Kr59</a:t>
+            </a:r>
+            <a:r>
+              <a:rPr lang="en-US" dirty="0"/>
+              <a:t> </a:t>
             </a:r>
           </a:p>
         </p:txBody>
@@ -3535,6 +3750,104 @@
       </p:grpSpPr>
       <p:sp>
         <p:nvSpPr>
+          <p:cNvPr id="2" name="Title 1">
+            <a:extLst>
+              <a:ext uri="{FF2B5EF4-FFF2-40B4-BE49-F238E27FC236}">
+                <a16:creationId xmlns:a16="http://schemas.microsoft.com/office/drawing/2014/main" id="{802E28DE-EBC8-3FEB-FA95-8EEA172EDBDC}"/>
+              </a:ext>
+            </a:extLst>
+          </p:cNvPr>
+          <p:cNvSpPr>
+            <a:spLocks noGrp="1"/>
+          </p:cNvSpPr>
+          <p:nvPr>
+            <p:ph type="title"/>
+          </p:nvPr>
+        </p:nvSpPr>
+        <p:spPr/>
+        <p:txBody>
+          <a:bodyPr/>
+          <a:lstStyle/>
+          <a:p>
+            <a:r>
+              <a:rPr lang="en-US" dirty="0"/>
+              <a:t>Last session!</a:t>
+            </a:r>
+          </a:p>
+        </p:txBody>
+      </p:sp>
+      <p:sp>
+        <p:nvSpPr>
+          <p:cNvPr id="3" name="Content Placeholder 2">
+            <a:extLst>
+              <a:ext uri="{FF2B5EF4-FFF2-40B4-BE49-F238E27FC236}">
+                <a16:creationId xmlns:a16="http://schemas.microsoft.com/office/drawing/2014/main" id="{BF350A71-CBE0-465A-B823-7A8007ADD903}"/>
+              </a:ext>
+            </a:extLst>
+          </p:cNvPr>
+          <p:cNvSpPr>
+            <a:spLocks noGrp="1"/>
+          </p:cNvSpPr>
+          <p:nvPr>
+            <p:ph idx="1"/>
+          </p:nvPr>
+        </p:nvSpPr>
+        <p:spPr/>
+        <p:txBody>
+          <a:bodyPr/>
+          <a:lstStyle/>
+          <a:p>
+            <a:r>
+              <a:rPr lang="en-US" dirty="0"/>
+              <a:t>We’ll save 30 min at the end for wrap-up and reflection.</a:t>
+            </a:r>
+          </a:p>
+          <a:p>
+            <a:r>
+              <a:rPr lang="en-US" dirty="0"/>
+              <a:t>Any lingering questions or content to make sure we hit today?</a:t>
+            </a:r>
+          </a:p>
+          <a:p>
+            <a:pPr marL="0" indent="0">
+              <a:buNone/>
+            </a:pPr>
+            <a:endParaRPr lang="en-US" dirty="0"/>
+          </a:p>
+        </p:txBody>
+      </p:sp>
+    </p:spTree>
+    <p:extLst>
+      <p:ext uri="{BB962C8B-B14F-4D97-AF65-F5344CB8AC3E}">
+        <p14:creationId xmlns:p14="http://schemas.microsoft.com/office/powerpoint/2010/main" val="970101750"/>
+      </p:ext>
+    </p:extLst>
+  </p:cSld>
+  <p:clrMapOvr>
+    <a:masterClrMapping/>
+  </p:clrMapOvr>
+</p:sld>
+</file>
+
+<file path=ppt/slides/slide5.xml><?xml version="1.0" encoding="utf-8"?>
+<p:sld xmlns:a="http://schemas.openxmlformats.org/drawingml/2006/main" xmlns:r="http://schemas.openxmlformats.org/officeDocument/2006/relationships" xmlns:p="http://schemas.openxmlformats.org/presentationml/2006/main">
+  <p:cSld>
+    <p:spTree>
+      <p:nvGrpSpPr>
+        <p:cNvPr id="1" name=""/>
+        <p:cNvGrpSpPr/>
+        <p:nvPr/>
+      </p:nvGrpSpPr>
+      <p:grpSpPr>
+        <a:xfrm>
+          <a:off x="0" y="0"/>
+          <a:ext cx="0" cy="0"/>
+          <a:chOff x="0" y="0"/>
+          <a:chExt cx="0" cy="0"/>
+        </a:xfrm>
+      </p:grpSpPr>
+      <p:sp>
+        <p:nvSpPr>
           <p:cNvPr id="2" name="Title 1"/>
           <p:cNvSpPr>
             <a:spLocks noGrp="1"/>
@@ -3867,165 +4180,6 @@
 </p:sld>
 </file>
 
-<file path=ppt/slides/slide5.xml><?xml version="1.0" encoding="utf-8"?>
-<p:sld xmlns:a="http://schemas.openxmlformats.org/drawingml/2006/main" xmlns:r="http://schemas.openxmlformats.org/officeDocument/2006/relationships" xmlns:p="http://schemas.openxmlformats.org/presentationml/2006/main">
-  <p:cSld>
-    <p:spTree>
-      <p:nvGrpSpPr>
-        <p:cNvPr id="1" name=""/>
-        <p:cNvGrpSpPr/>
-        <p:nvPr/>
-      </p:nvGrpSpPr>
-      <p:grpSpPr>
-        <a:xfrm>
-          <a:off x="0" y="0"/>
-          <a:ext cx="0" cy="0"/>
-          <a:chOff x="0" y="0"/>
-          <a:chExt cx="0" cy="0"/>
-        </a:xfrm>
-      </p:grpSpPr>
-      <p:sp>
-        <p:nvSpPr>
-          <p:cNvPr id="2" name="Title 1">
-            <a:extLst>
-              <a:ext uri="{FF2B5EF4-FFF2-40B4-BE49-F238E27FC236}">
-                <a16:creationId xmlns:a16="http://schemas.microsoft.com/office/drawing/2014/main" id="{6671A979-B607-CFF2-E1F3-31EC36A9CB8E}"/>
-              </a:ext>
-            </a:extLst>
-          </p:cNvPr>
-          <p:cNvSpPr>
-            <a:spLocks noGrp="1"/>
-          </p:cNvSpPr>
-          <p:nvPr>
-            <p:ph type="title"/>
-          </p:nvPr>
-        </p:nvSpPr>
-        <p:spPr/>
-        <p:txBody>
-          <a:bodyPr/>
-          <a:lstStyle/>
-          <a:p>
-            <a:r>
-              <a:rPr lang="en-US" dirty="0"/>
-              <a:t>R Formulas</a:t>
-            </a:r>
-          </a:p>
-        </p:txBody>
-      </p:sp>
-      <p:sp>
-        <p:nvSpPr>
-          <p:cNvPr id="3" name="Content Placeholder 2">
-            <a:extLst>
-              <a:ext uri="{FF2B5EF4-FFF2-40B4-BE49-F238E27FC236}">
-                <a16:creationId xmlns:a16="http://schemas.microsoft.com/office/drawing/2014/main" id="{076559C5-8DE8-40A2-F488-565B68E09412}"/>
-              </a:ext>
-            </a:extLst>
-          </p:cNvPr>
-          <p:cNvSpPr>
-            <a:spLocks noGrp="1"/>
-          </p:cNvSpPr>
-          <p:nvPr>
-            <p:ph idx="1"/>
-          </p:nvPr>
-        </p:nvSpPr>
-        <p:spPr/>
-        <p:txBody>
-          <a:bodyPr/>
-          <a:lstStyle/>
-          <a:p>
-            <a:pPr marL="0" indent="0">
-              <a:buNone/>
-            </a:pPr>
-            <a:r>
-              <a:rPr lang="en-US" dirty="0">
-                <a:latin typeface="Consolas" panose="020B0609020204030204" pitchFamily="49" charset="0"/>
-              </a:rPr>
-              <a:t>y ~ x1 + x2*x3 + char0 + I(x4^2)</a:t>
-            </a:r>
-          </a:p>
-          <a:p>
-            <a:pPr marL="0" indent="0">
-              <a:buNone/>
-            </a:pPr>
-            <a:endParaRPr lang="en-US" dirty="0">
-              <a:latin typeface="Consolas" panose="020B0609020204030204" pitchFamily="49" charset="0"/>
-            </a:endParaRPr>
-          </a:p>
-          <a:p>
-            <a:pPr>
-              <a:buFontTx/>
-              <a:buChar char="-"/>
-            </a:pPr>
-            <a:r>
-              <a:rPr lang="en-US" dirty="0">
-                <a:latin typeface="+mj-lt"/>
-              </a:rPr>
-              <a:t>Constants are implicit (use -1 to remove)</a:t>
-            </a:r>
-          </a:p>
-          <a:p>
-            <a:pPr>
-              <a:buFontTx/>
-              <a:buChar char="-"/>
-            </a:pPr>
-            <a:r>
-              <a:rPr lang="en-US" dirty="0">
-                <a:latin typeface="+mj-lt"/>
-              </a:rPr>
-              <a:t>* will create an interaction.</a:t>
-            </a:r>
-          </a:p>
-          <a:p>
-            <a:pPr>
-              <a:buFontTx/>
-              <a:buChar char="-"/>
-            </a:pPr>
-            <a:r>
-              <a:rPr lang="en-US" dirty="0">
-                <a:latin typeface="+mj-lt"/>
-              </a:rPr>
-              <a:t>Character variables are treated as fixed effects.</a:t>
-            </a:r>
-          </a:p>
-          <a:p>
-            <a:pPr>
-              <a:buFontTx/>
-              <a:buChar char="-"/>
-            </a:pPr>
-            <a:r>
-              <a:rPr lang="en-US" dirty="0">
-                <a:latin typeface="+mj-lt"/>
-              </a:rPr>
-              <a:t>Use </a:t>
-            </a:r>
-            <a:r>
-              <a:rPr lang="en-US" dirty="0">
-                <a:latin typeface="Consolas" panose="020B0609020204030204" pitchFamily="49" charset="0"/>
-              </a:rPr>
-              <a:t>I</a:t>
-            </a:r>
-            <a:r>
-              <a:rPr lang="en-US" dirty="0">
-                <a:latin typeface="+mj-lt"/>
-              </a:rPr>
-              <a:t>() to get a function that you don’t want to be parsed.</a:t>
-            </a:r>
-          </a:p>
-        </p:txBody>
-      </p:sp>
-    </p:spTree>
-    <p:extLst>
-      <p:ext uri="{BB962C8B-B14F-4D97-AF65-F5344CB8AC3E}">
-        <p14:creationId xmlns:p14="http://schemas.microsoft.com/office/powerpoint/2010/main" val="2833638029"/>
-      </p:ext>
-    </p:extLst>
-  </p:cSld>
-  <p:clrMapOvr>
-    <a:masterClrMapping/>
-  </p:clrMapOvr>
-</p:sld>
-</file>
-
 <file path=ppt/slides/slide6.xml><?xml version="1.0" encoding="utf-8"?>
 <p:sld xmlns:a="http://schemas.openxmlformats.org/drawingml/2006/main" xmlns:r="http://schemas.openxmlformats.org/officeDocument/2006/relationships" xmlns:p="http://schemas.openxmlformats.org/presentationml/2006/main">
   <p:cSld>
@@ -4045,7 +4199,13 @@
       </p:grpSpPr>
       <p:sp>
         <p:nvSpPr>
-          <p:cNvPr id="2" name="Title 1"/>
+          <p:cNvPr id="2" name="Title 1">
+            <a:extLst>
+              <a:ext uri="{FF2B5EF4-FFF2-40B4-BE49-F238E27FC236}">
+                <a16:creationId xmlns:a16="http://schemas.microsoft.com/office/drawing/2014/main" id="{6671A979-B607-CFF2-E1F3-31EC36A9CB8E}"/>
+              </a:ext>
+            </a:extLst>
+          </p:cNvPr>
           <p:cNvSpPr>
             <a:spLocks noGrp="1"/>
           </p:cNvSpPr>
@@ -4060,14 +4220,20 @@
           <a:p>
             <a:r>
               <a:rPr lang="en-US" dirty="0"/>
-              <a:t>Common Methods for Fit Objects</a:t>
-            </a:r>
-          </a:p>
-        </p:txBody>
-      </p:sp>
-      <p:sp>
-        <p:nvSpPr>
-          <p:cNvPr id="3" name="Content Placeholder 2"/>
+              <a:t>R Formulas</a:t>
+            </a:r>
+          </a:p>
+        </p:txBody>
+      </p:sp>
+      <p:sp>
+        <p:nvSpPr>
+          <p:cNvPr id="3" name="Content Placeholder 2">
+            <a:extLst>
+              <a:ext uri="{FF2B5EF4-FFF2-40B4-BE49-F238E27FC236}">
+                <a16:creationId xmlns:a16="http://schemas.microsoft.com/office/drawing/2014/main" id="{076559C5-8DE8-40A2-F488-565B68E09412}"/>
+              </a:ext>
+            </a:extLst>
+          </p:cNvPr>
           <p:cNvSpPr>
             <a:spLocks noGrp="1"/>
           </p:cNvSpPr>
@@ -4077,214 +4243,93 @@
         </p:nvSpPr>
         <p:spPr/>
         <p:txBody>
-          <a:bodyPr>
-            <a:normAutofit/>
-          </a:bodyPr>
-          <a:lstStyle/>
-          <a:p>
-            <a:pPr marL="0" indent="0" defTabSz="685800">
-              <a:spcBef>
-                <a:spcPts val="0"/>
-              </a:spcBef>
-              <a:buNone/>
-              <a:defRPr/>
+          <a:bodyPr/>
+          <a:lstStyle/>
+          <a:p>
+            <a:pPr marL="0" indent="0">
+              <a:buNone/>
             </a:pPr>
             <a:r>
               <a:rPr lang="en-US" dirty="0">
                 <a:latin typeface="Consolas" panose="020B0609020204030204" pitchFamily="49" charset="0"/>
               </a:rPr>
-              <a:t>summary(</a:t>
-            </a:r>
-            <a:r>
-              <a:rPr lang="en-US" dirty="0" err="1">
-                <a:latin typeface="Consolas" panose="020B0609020204030204" pitchFamily="49" charset="0"/>
-              </a:rPr>
-              <a:t>ols_fit</a:t>
+              <a:t>y ~ x1 + x2*x3 + char0 + I(x4^2)</a:t>
+            </a:r>
+          </a:p>
+          <a:p>
+            <a:pPr marL="0" indent="0">
+              <a:buNone/>
+            </a:pPr>
+            <a:endParaRPr lang="en-US" dirty="0">
+              <a:latin typeface="Consolas" panose="020B0609020204030204" pitchFamily="49" charset="0"/>
+            </a:endParaRPr>
+          </a:p>
+          <a:p>
+            <a:pPr>
+              <a:buFontTx/>
+              <a:buChar char="-"/>
+            </a:pPr>
+            <a:r>
+              <a:rPr lang="en-US" dirty="0">
+                <a:latin typeface="+mj-lt"/>
+              </a:rPr>
+              <a:t>Constants are implicit (use -1 to remove)</a:t>
+            </a:r>
+          </a:p>
+          <a:p>
+            <a:pPr>
+              <a:buFontTx/>
+              <a:buChar char="-"/>
+            </a:pPr>
+            <a:r>
+              <a:rPr lang="en-US" dirty="0">
+                <a:latin typeface="+mj-lt"/>
+              </a:rPr>
+              <a:t>* will create an interaction.</a:t>
+            </a:r>
+          </a:p>
+          <a:p>
+            <a:pPr>
+              <a:buFontTx/>
+              <a:buChar char="-"/>
+            </a:pPr>
+            <a:r>
+              <a:rPr lang="en-US" dirty="0">
+                <a:latin typeface="+mj-lt"/>
+              </a:rPr>
+              <a:t>Character variables are treated as fixed effects.</a:t>
+            </a:r>
+          </a:p>
+          <a:p>
+            <a:pPr>
+              <a:buFontTx/>
+              <a:buChar char="-"/>
+            </a:pPr>
+            <a:r>
+              <a:rPr lang="en-US" dirty="0">
+                <a:latin typeface="+mj-lt"/>
+              </a:rPr>
+              <a:t>Use </a:t>
             </a:r>
             <a:r>
               <a:rPr lang="en-US" dirty="0">
                 <a:latin typeface="Consolas" panose="020B0609020204030204" pitchFamily="49" charset="0"/>
               </a:rPr>
-              <a:t>)</a:t>
-            </a:r>
-          </a:p>
-          <a:p>
-            <a:pPr marL="0" indent="0" defTabSz="685800">
-              <a:spcBef>
-                <a:spcPts val="0"/>
-              </a:spcBef>
-              <a:buNone/>
-              <a:defRPr/>
-            </a:pPr>
-            <a:r>
-              <a:rPr lang="en-US" dirty="0" err="1">
-                <a:latin typeface="Consolas" panose="020B0609020204030204" pitchFamily="49" charset="0"/>
-              </a:rPr>
-              <a:t>coef</a:t>
+              <a:t>I</a:t>
             </a:r>
             <a:r>
               <a:rPr lang="en-US" dirty="0">
-                <a:latin typeface="Consolas" panose="020B0609020204030204" pitchFamily="49" charset="0"/>
-              </a:rPr>
-              <a:t>(</a:t>
-            </a:r>
-            <a:r>
-              <a:rPr lang="en-US" dirty="0" err="1">
-                <a:latin typeface="Consolas" panose="020B0609020204030204" pitchFamily="49" charset="0"/>
-              </a:rPr>
-              <a:t>ols_fit</a:t>
-            </a:r>
-            <a:r>
-              <a:rPr lang="en-US" dirty="0">
-                <a:latin typeface="Consolas" panose="020B0609020204030204" pitchFamily="49" charset="0"/>
-              </a:rPr>
-              <a:t>)</a:t>
-            </a:r>
-          </a:p>
-          <a:p>
-            <a:pPr marL="0" indent="0" defTabSz="685800">
-              <a:spcBef>
-                <a:spcPts val="0"/>
-              </a:spcBef>
-              <a:buNone/>
-              <a:defRPr/>
-            </a:pPr>
-            <a:r>
-              <a:rPr lang="en-US" dirty="0">
-                <a:latin typeface="Consolas" panose="020B0609020204030204" pitchFamily="49" charset="0"/>
-              </a:rPr>
-              <a:t>plot(</a:t>
-            </a:r>
-            <a:r>
-              <a:rPr lang="en-US" dirty="0" err="1">
-                <a:latin typeface="Consolas" panose="020B0609020204030204" pitchFamily="49" charset="0"/>
-              </a:rPr>
-              <a:t>ols_fit</a:t>
-            </a:r>
-            <a:r>
-              <a:rPr lang="en-US" dirty="0">
-                <a:latin typeface="Consolas" panose="020B0609020204030204" pitchFamily="49" charset="0"/>
-              </a:rPr>
-              <a:t>)</a:t>
-            </a:r>
-            <a:endParaRPr lang="en-US" dirty="0">
-              <a:solidFill>
-                <a:schemeClr val="accent1"/>
-              </a:solidFill>
-              <a:latin typeface="Consolas" panose="020B0609020204030204" pitchFamily="49" charset="0"/>
-            </a:endParaRPr>
-          </a:p>
-          <a:p>
-            <a:pPr marL="0" indent="0" defTabSz="685800">
-              <a:spcBef>
-                <a:spcPts val="0"/>
-              </a:spcBef>
-              <a:buNone/>
-              <a:defRPr/>
-            </a:pPr>
-            <a:r>
-              <a:rPr lang="en-US" dirty="0">
-                <a:latin typeface="Consolas" panose="020B0609020204030204" pitchFamily="49" charset="0"/>
-              </a:rPr>
-              <a:t>predict(</a:t>
-            </a:r>
-            <a:r>
-              <a:rPr lang="en-US" dirty="0" err="1">
-                <a:latin typeface="Consolas" panose="020B0609020204030204" pitchFamily="49" charset="0"/>
-              </a:rPr>
-              <a:t>ols_fit</a:t>
-            </a:r>
-            <a:r>
-              <a:rPr lang="en-US" dirty="0">
-                <a:latin typeface="Consolas" panose="020B0609020204030204" pitchFamily="49" charset="0"/>
-              </a:rPr>
-              <a:t>)</a:t>
-            </a:r>
-            <a:endParaRPr lang="en-US" dirty="0">
-              <a:solidFill>
-                <a:schemeClr val="accent1"/>
-              </a:solidFill>
-              <a:latin typeface="Consolas" panose="020B0609020204030204" pitchFamily="49" charset="0"/>
-            </a:endParaRPr>
-          </a:p>
-          <a:p>
-            <a:pPr marL="0" indent="0" defTabSz="685800">
-              <a:spcBef>
-                <a:spcPts val="0"/>
-              </a:spcBef>
-              <a:buNone/>
-              <a:defRPr/>
-            </a:pPr>
-            <a:r>
-              <a:rPr lang="en-US" dirty="0">
-                <a:latin typeface="Consolas" panose="020B0609020204030204" pitchFamily="49" charset="0"/>
-              </a:rPr>
-              <a:t>predict(</a:t>
-            </a:r>
-            <a:r>
-              <a:rPr lang="en-US" dirty="0" err="1">
-                <a:latin typeface="Consolas" panose="020B0609020204030204" pitchFamily="49" charset="0"/>
-              </a:rPr>
-              <a:t>ols_fit</a:t>
-            </a:r>
-            <a:r>
-              <a:rPr lang="en-US" dirty="0">
-                <a:latin typeface="Consolas" panose="020B0609020204030204" pitchFamily="49" charset="0"/>
-              </a:rPr>
-              <a:t>, </a:t>
-            </a:r>
-            <a:r>
-              <a:rPr lang="en-US" dirty="0" err="1">
-                <a:latin typeface="Consolas" panose="020B0609020204030204" pitchFamily="49" charset="0"/>
-              </a:rPr>
-              <a:t>newdata</a:t>
-            </a:r>
-            <a:r>
-              <a:rPr lang="en-US" dirty="0">
-                <a:latin typeface="Consolas" panose="020B0609020204030204" pitchFamily="49" charset="0"/>
-              </a:rPr>
-              <a:t>=</a:t>
-            </a:r>
-            <a:r>
-              <a:rPr lang="en-US" dirty="0" err="1">
-                <a:latin typeface="Consolas" panose="020B0609020204030204" pitchFamily="49" charset="0"/>
-              </a:rPr>
-              <a:t>new_df</a:t>
-            </a:r>
-            <a:r>
-              <a:rPr lang="en-US" dirty="0">
-                <a:latin typeface="Consolas" panose="020B0609020204030204" pitchFamily="49" charset="0"/>
-              </a:rPr>
-              <a:t>)</a:t>
-            </a:r>
-            <a:endParaRPr lang="en-US" dirty="0">
-              <a:solidFill>
-                <a:schemeClr val="accent1"/>
-              </a:solidFill>
-              <a:latin typeface="Consolas" panose="020B0609020204030204" pitchFamily="49" charset="0"/>
-            </a:endParaRPr>
-          </a:p>
-          <a:p>
-            <a:pPr marL="0" indent="0" defTabSz="685800">
-              <a:spcBef>
-                <a:spcPts val="0"/>
-              </a:spcBef>
-              <a:buNone/>
-              <a:defRPr/>
-            </a:pPr>
-            <a:endParaRPr lang="en-US" dirty="0">
-              <a:solidFill>
-                <a:schemeClr val="accent1"/>
-              </a:solidFill>
-              <a:latin typeface="Consolas" panose="020B0609020204030204" pitchFamily="49" charset="0"/>
-            </a:endParaRPr>
+                <a:latin typeface="+mj-lt"/>
+              </a:rPr>
+              <a:t>() to get a function that you don’t want to be parsed.</a:t>
+            </a:r>
           </a:p>
         </p:txBody>
       </p:sp>
     </p:spTree>
     <p:extLst>
       <p:ext uri="{BB962C8B-B14F-4D97-AF65-F5344CB8AC3E}">
-        <p14:creationId xmlns:p14="http://schemas.microsoft.com/office/powerpoint/2010/main" val="62742117"/>
+        <p14:creationId xmlns:p14="http://schemas.microsoft.com/office/powerpoint/2010/main" val="2833638029"/>
       </p:ext>
     </p:extLst>
   </p:cSld>
@@ -4328,7 +4373,7 @@
           <a:p>
             <a:r>
               <a:rPr lang="en-US" dirty="0"/>
-              <a:t>Fancier fit functions</a:t>
+              <a:t>Common Methods for Fit Objects</a:t>
             </a:r>
           </a:p>
         </p:txBody>
@@ -4346,7 +4391,7 @@
         <p:spPr/>
         <p:txBody>
           <a:bodyPr>
-            <a:noAutofit/>
+            <a:normAutofit/>
           </a:bodyPr>
           <a:lstStyle/>
           <a:p>
@@ -4358,8 +4403,22 @@
               <a:defRPr/>
             </a:pPr>
             <a:r>
-              <a:rPr lang="en-US" sz="2400" b="1" dirty="0"/>
-              <a:t>Logistic or other GLMs:</a:t>
+              <a:rPr lang="en-US" dirty="0">
+                <a:latin typeface="Consolas" panose="020B0609020204030204" pitchFamily="49" charset="0"/>
+              </a:rPr>
+              <a:t>summary(</a:t>
+            </a:r>
+            <a:r>
+              <a:rPr lang="en-US" dirty="0" err="1">
+                <a:latin typeface="Consolas" panose="020B0609020204030204" pitchFamily="49" charset="0"/>
+              </a:rPr>
+              <a:t>ols_fit</a:t>
+            </a:r>
+            <a:r>
+              <a:rPr lang="en-US" dirty="0">
+                <a:latin typeface="Consolas" panose="020B0609020204030204" pitchFamily="49" charset="0"/>
+              </a:rPr>
+              <a:t>)</a:t>
             </a:r>
           </a:p>
           <a:p>
@@ -4371,16 +4430,28 @@
               <a:defRPr/>
             </a:pPr>
             <a:r>
-              <a:rPr lang="en-US" sz="2400" dirty="0" err="1">
+              <a:rPr lang="en-US" dirty="0" err="1">
                 <a:latin typeface="Consolas" panose="020B0609020204030204" pitchFamily="49" charset="0"/>
               </a:rPr>
-              <a:t>glm</a:t>
-            </a:r>
-            <a:r>
-              <a:rPr lang="en-US" sz="2400" dirty="0">
+              <a:t>coef</a:t>
+            </a:r>
+            <a:r>
+              <a:rPr lang="en-US" dirty="0">
                 <a:latin typeface="Consolas" panose="020B0609020204030204" pitchFamily="49" charset="0"/>
               </a:rPr>
               <a:t>(</a:t>
+            </a:r>
+            <a:r>
+              <a:rPr lang="en-US" dirty="0" err="1">
+                <a:latin typeface="Consolas" panose="020B0609020204030204" pitchFamily="49" charset="0"/>
+              </a:rPr>
+              <a:t>ols_fit</a:t>
+            </a:r>
+            <a:r>
+              <a:rPr lang="en-US" dirty="0">
+                <a:latin typeface="Consolas" panose="020B0609020204030204" pitchFamily="49" charset="0"/>
+              </a:rPr>
+              <a:t>)</a:t>
             </a:r>
           </a:p>
           <a:p>
@@ -4392,11 +4463,29 @@
               <a:defRPr/>
             </a:pPr>
             <a:r>
-              <a:rPr lang="en-US" sz="2400" dirty="0">
+              <a:rPr lang="en-US" dirty="0">
                 <a:latin typeface="Consolas" panose="020B0609020204030204" pitchFamily="49" charset="0"/>
               </a:rPr>
-              <a:t>	y ~ x1 + x2, </a:t>
-            </a:r>
+              <a:t>plot(</a:t>
+            </a:r>
+            <a:r>
+              <a:rPr lang="en-US" dirty="0" err="1">
+                <a:latin typeface="Consolas" panose="020B0609020204030204" pitchFamily="49" charset="0"/>
+              </a:rPr>
+              <a:t>ols_fit</a:t>
+            </a:r>
+            <a:r>
+              <a:rPr lang="en-US" dirty="0">
+                <a:latin typeface="Consolas" panose="020B0609020204030204" pitchFamily="49" charset="0"/>
+              </a:rPr>
+              <a:t>)</a:t>
+            </a:r>
+            <a:endParaRPr lang="en-US" dirty="0">
+              <a:solidFill>
+                <a:schemeClr val="accent1"/>
+              </a:solidFill>
+              <a:latin typeface="Consolas" panose="020B0609020204030204" pitchFamily="49" charset="0"/>
+            </a:endParaRPr>
           </a:p>
           <a:p>
             <a:pPr marL="0" indent="0" defTabSz="685800">
@@ -4407,11 +4496,29 @@
               <a:defRPr/>
             </a:pPr>
             <a:r>
-              <a:rPr lang="en-US" sz="2400" dirty="0">
+              <a:rPr lang="en-US" dirty="0">
                 <a:latin typeface="Consolas" panose="020B0609020204030204" pitchFamily="49" charset="0"/>
               </a:rPr>
-              <a:t>	family = binomial(link = "logit"),</a:t>
-            </a:r>
+              <a:t>predict(</a:t>
+            </a:r>
+            <a:r>
+              <a:rPr lang="en-US" dirty="0" err="1">
+                <a:latin typeface="Consolas" panose="020B0609020204030204" pitchFamily="49" charset="0"/>
+              </a:rPr>
+              <a:t>ols_fit</a:t>
+            </a:r>
+            <a:r>
+              <a:rPr lang="en-US" dirty="0">
+                <a:latin typeface="Consolas" panose="020B0609020204030204" pitchFamily="49" charset="0"/>
+              </a:rPr>
+              <a:t>)</a:t>
+            </a:r>
+            <a:endParaRPr lang="en-US" dirty="0">
+              <a:solidFill>
+                <a:schemeClr val="accent1"/>
+              </a:solidFill>
+              <a:latin typeface="Consolas" panose="020B0609020204030204" pitchFamily="49" charset="0"/>
+            </a:endParaRPr>
           </a:p>
           <a:p>
             <a:pPr marL="0" indent="0" defTabSz="685800">
@@ -4422,18 +4529,51 @@
               <a:defRPr/>
             </a:pPr>
             <a:r>
-              <a:rPr lang="en-US" sz="2400" dirty="0">
+              <a:rPr lang="en-US" dirty="0">
                 <a:latin typeface="Consolas" panose="020B0609020204030204" pitchFamily="49" charset="0"/>
               </a:rPr>
-              <a:t>	data = </a:t>
-            </a:r>
-            <a:r>
-              <a:rPr lang="en-US" sz="2400" dirty="0" err="1">
+              <a:t>predict(</a:t>
+            </a:r>
+            <a:r>
+              <a:rPr lang="en-US" dirty="0" err="1">
                 <a:latin typeface="Consolas" panose="020B0609020204030204" pitchFamily="49" charset="0"/>
               </a:rPr>
-              <a:t>my_df</a:t>
-            </a:r>
-            <a:endParaRPr lang="en-US" sz="2400" dirty="0">
+              <a:t>ols_fit</a:t>
+            </a:r>
+            <a:r>
+              <a:rPr lang="en-US" dirty="0">
+                <a:latin typeface="Consolas" panose="020B0609020204030204" pitchFamily="49" charset="0"/>
+              </a:rPr>
+              <a:t>, </a:t>
+            </a:r>
+            <a:r>
+              <a:rPr lang="en-US" dirty="0" err="1">
+                <a:latin typeface="Consolas" panose="020B0609020204030204" pitchFamily="49" charset="0"/>
+              </a:rPr>
+              <a:t>newdata</a:t>
+            </a:r>
+            <a:r>
+              <a:rPr lang="en-US" dirty="0">
+                <a:latin typeface="Consolas" panose="020B0609020204030204" pitchFamily="49" charset="0"/>
+              </a:rPr>
+              <a:t>=</a:t>
+            </a:r>
+            <a:r>
+              <a:rPr lang="en-US" dirty="0" err="1">
+                <a:latin typeface="Consolas" panose="020B0609020204030204" pitchFamily="49" charset="0"/>
+              </a:rPr>
+              <a:t>new_df</a:t>
+            </a:r>
+            <a:r>
+              <a:rPr lang="en-US" dirty="0">
+                <a:latin typeface="Consolas" panose="020B0609020204030204" pitchFamily="49" charset="0"/>
+              </a:rPr>
+              <a:t>)</a:t>
+            </a:r>
+            <a:endParaRPr lang="en-US" dirty="0">
+              <a:solidFill>
+                <a:schemeClr val="accent1"/>
+              </a:solidFill>
               <a:latin typeface="Consolas" panose="020B0609020204030204" pitchFamily="49" charset="0"/>
             </a:endParaRPr>
           </a:p>
@@ -4445,133 +4585,19 @@
               <a:buNone/>
               <a:defRPr/>
             </a:pPr>
-            <a:r>
-              <a:rPr lang="en-US" sz="2400" dirty="0">
-                <a:latin typeface="Consolas" panose="020B0609020204030204" pitchFamily="49" charset="0"/>
-              </a:rPr>
-              <a:t>)</a:t>
-            </a:r>
-          </a:p>
-          <a:p>
-            <a:pPr marL="0" indent="0" defTabSz="685800">
-              <a:spcBef>
-                <a:spcPts val="0"/>
-              </a:spcBef>
-              <a:buNone/>
-              <a:defRPr/>
-            </a:pPr>
-            <a:endParaRPr lang="en-US" sz="2400" dirty="0">
+            <a:endParaRPr lang="en-US" dirty="0">
+              <a:solidFill>
+                <a:schemeClr val="accent1"/>
+              </a:solidFill>
               <a:latin typeface="Consolas" panose="020B0609020204030204" pitchFamily="49" charset="0"/>
             </a:endParaRPr>
-          </a:p>
-          <a:p>
-            <a:pPr marL="0" indent="0" defTabSz="685800">
-              <a:spcBef>
-                <a:spcPts val="0"/>
-              </a:spcBef>
-              <a:buNone/>
-              <a:defRPr/>
-            </a:pPr>
-            <a:r>
-              <a:rPr lang="en-US" sz="2400" b="1" dirty="0">
-                <a:latin typeface="+mj-lt"/>
-              </a:rPr>
-              <a:t>Smoothed:</a:t>
-            </a:r>
-          </a:p>
-          <a:p>
-            <a:pPr marL="0" indent="0" defTabSz="685800">
-              <a:spcBef>
-                <a:spcPts val="0"/>
-              </a:spcBef>
-              <a:buNone/>
-              <a:defRPr/>
-            </a:pPr>
-            <a:r>
-              <a:rPr lang="en-US" sz="2400" dirty="0">
-                <a:latin typeface="Consolas" panose="020B0609020204030204" pitchFamily="49" charset="0"/>
-              </a:rPr>
-              <a:t>loess(y ~ x, data = </a:t>
-            </a:r>
-            <a:r>
-              <a:rPr lang="en-US" sz="2400" dirty="0" err="1">
-                <a:latin typeface="Consolas" panose="020B0609020204030204" pitchFamily="49" charset="0"/>
-              </a:rPr>
-              <a:t>my_df</a:t>
-            </a:r>
-            <a:r>
-              <a:rPr lang="en-US" sz="2400" dirty="0">
-                <a:latin typeface="Consolas" panose="020B0609020204030204" pitchFamily="49" charset="0"/>
-              </a:rPr>
-              <a:t>)</a:t>
-            </a:r>
-          </a:p>
-          <a:p>
-            <a:pPr marL="0" indent="0" defTabSz="685800">
-              <a:spcBef>
-                <a:spcPts val="0"/>
-              </a:spcBef>
-              <a:buNone/>
-              <a:defRPr/>
-            </a:pPr>
-            <a:endParaRPr lang="en-US" sz="2400" dirty="0">
-              <a:latin typeface="Consolas" panose="020B0609020204030204" pitchFamily="49" charset="0"/>
-            </a:endParaRPr>
-          </a:p>
-          <a:p>
-            <a:pPr marL="0" indent="0" defTabSz="685800">
-              <a:spcBef>
-                <a:spcPts val="0"/>
-              </a:spcBef>
-              <a:buNone/>
-              <a:defRPr/>
-            </a:pPr>
-            <a:r>
-              <a:rPr lang="en-US" sz="2400" b="1" dirty="0">
-                <a:latin typeface="+mj-lt"/>
-              </a:rPr>
-              <a:t>Bayesian Random Effects:</a:t>
-            </a:r>
-          </a:p>
-          <a:p>
-            <a:pPr marL="0" indent="0" defTabSz="685800">
-              <a:spcBef>
-                <a:spcPts val="0"/>
-              </a:spcBef>
-              <a:buNone/>
-              <a:defRPr/>
-            </a:pPr>
-            <a:r>
-              <a:rPr lang="en-US" sz="2400" dirty="0" err="1">
-                <a:latin typeface="Consolas" panose="020B0609020204030204" pitchFamily="49" charset="0"/>
-              </a:rPr>
-              <a:t>lmer</a:t>
-            </a:r>
-            <a:r>
-              <a:rPr lang="en-US" sz="2400" dirty="0">
-                <a:latin typeface="Consolas" panose="020B0609020204030204" pitchFamily="49" charset="0"/>
-              </a:rPr>
-              <a:t>(y ~ (x | group), data = </a:t>
-            </a:r>
-            <a:r>
-              <a:rPr lang="en-US" sz="2400" dirty="0" err="1">
-                <a:latin typeface="Consolas" panose="020B0609020204030204" pitchFamily="49" charset="0"/>
-              </a:rPr>
-              <a:t>my_df</a:t>
-            </a:r>
-            <a:r>
-              <a:rPr lang="en-US" sz="2400" dirty="0">
-                <a:latin typeface="Consolas" panose="020B0609020204030204" pitchFamily="49" charset="0"/>
-              </a:rPr>
-              <a:t>)</a:t>
-            </a:r>
           </a:p>
         </p:txBody>
       </p:sp>
     </p:spTree>
     <p:extLst>
       <p:ext uri="{BB962C8B-B14F-4D97-AF65-F5344CB8AC3E}">
-        <p14:creationId xmlns:p14="http://schemas.microsoft.com/office/powerpoint/2010/main" val="332520821"/>
+        <p14:creationId xmlns:p14="http://schemas.microsoft.com/office/powerpoint/2010/main" val="62742117"/>
       </p:ext>
     </p:extLst>
   </p:cSld>
@@ -4600,13 +4626,7 @@
       </p:grpSpPr>
       <p:sp>
         <p:nvSpPr>
-          <p:cNvPr id="2" name="Title 1">
-            <a:extLst>
-              <a:ext uri="{FF2B5EF4-FFF2-40B4-BE49-F238E27FC236}">
-                <a16:creationId xmlns:a16="http://schemas.microsoft.com/office/drawing/2014/main" id="{1FAFE286-F366-662C-5102-CCA6ECA0CC28}"/>
-              </a:ext>
-            </a:extLst>
-          </p:cNvPr>
+          <p:cNvPr id="2" name="Title 1"/>
           <p:cNvSpPr>
             <a:spLocks noGrp="1"/>
           </p:cNvSpPr>
@@ -4619,19 +4639,16 @@
           <a:bodyPr/>
           <a:lstStyle/>
           <a:p>
-            <a:endParaRPr lang="en-US"/>
-          </a:p>
-        </p:txBody>
-      </p:sp>
-      <p:sp>
-        <p:nvSpPr>
-          <p:cNvPr id="3" name="Content Placeholder 2">
-            <a:extLst>
-              <a:ext uri="{FF2B5EF4-FFF2-40B4-BE49-F238E27FC236}">
-                <a16:creationId xmlns:a16="http://schemas.microsoft.com/office/drawing/2014/main" id="{0F5DCC33-4A02-D7B8-F3FE-B5F8E7A5728E}"/>
-              </a:ext>
-            </a:extLst>
-          </p:cNvPr>
+            <a:r>
+              <a:rPr lang="en-US" dirty="0"/>
+              <a:t>Fancier fit functions</a:t>
+            </a:r>
+          </a:p>
+        </p:txBody>
+      </p:sp>
+      <p:sp>
+        <p:nvSpPr>
+          <p:cNvPr id="3" name="Content Placeholder 2"/>
           <p:cNvSpPr>
             <a:spLocks noGrp="1"/>
           </p:cNvSpPr>
@@ -4641,21 +4658,225 @@
         </p:nvSpPr>
         <p:spPr/>
         <p:txBody>
-          <a:bodyPr/>
-          <a:lstStyle/>
-          <a:p>
-            <a:endParaRPr lang="en-US" dirty="0"/>
-          </a:p>
-          <a:p>
-            <a:endParaRPr lang="en-US" dirty="0"/>
-          </a:p>
-          <a:p>
-            <a:pPr marL="0" indent="0" algn="ctr">
-              <a:buNone/>
-            </a:pPr>
-            <a:r>
-              <a:rPr lang="en-US" dirty="0"/>
-              <a:t>Let’s do it.</a:t>
+          <a:bodyPr>
+            <a:noAutofit/>
+          </a:bodyPr>
+          <a:lstStyle/>
+          <a:p>
+            <a:pPr marL="0" indent="0" defTabSz="685800">
+              <a:spcBef>
+                <a:spcPts val="0"/>
+              </a:spcBef>
+              <a:buNone/>
+              <a:defRPr/>
+            </a:pPr>
+            <a:r>
+              <a:rPr lang="en-US" sz="2400" b="1" dirty="0"/>
+              <a:t>Logistic or other GLMs:</a:t>
+            </a:r>
+          </a:p>
+          <a:p>
+            <a:pPr marL="0" indent="0" defTabSz="685800">
+              <a:spcBef>
+                <a:spcPts val="0"/>
+              </a:spcBef>
+              <a:buNone/>
+              <a:defRPr/>
+            </a:pPr>
+            <a:r>
+              <a:rPr lang="en-US" sz="2400" dirty="0" err="1">
+                <a:latin typeface="Consolas" panose="020B0609020204030204" pitchFamily="49" charset="0"/>
+              </a:rPr>
+              <a:t>glm</a:t>
+            </a:r>
+            <a:r>
+              <a:rPr lang="en-US" sz="2400" dirty="0">
+                <a:latin typeface="Consolas" panose="020B0609020204030204" pitchFamily="49" charset="0"/>
+              </a:rPr>
+              <a:t>(</a:t>
+            </a:r>
+          </a:p>
+          <a:p>
+            <a:pPr marL="0" indent="0" defTabSz="685800">
+              <a:spcBef>
+                <a:spcPts val="0"/>
+              </a:spcBef>
+              <a:buNone/>
+              <a:defRPr/>
+            </a:pPr>
+            <a:r>
+              <a:rPr lang="en-US" sz="2400" dirty="0">
+                <a:latin typeface="Consolas" panose="020B0609020204030204" pitchFamily="49" charset="0"/>
+              </a:rPr>
+              <a:t>	y ~ x1 + x2, </a:t>
+            </a:r>
+          </a:p>
+          <a:p>
+            <a:pPr marL="0" indent="0" defTabSz="685800">
+              <a:spcBef>
+                <a:spcPts val="0"/>
+              </a:spcBef>
+              <a:buNone/>
+              <a:defRPr/>
+            </a:pPr>
+            <a:r>
+              <a:rPr lang="en-US" sz="2400" dirty="0">
+                <a:latin typeface="Consolas" panose="020B0609020204030204" pitchFamily="49" charset="0"/>
+              </a:rPr>
+              <a:t>	family = binomial(link = "logit"),</a:t>
+            </a:r>
+          </a:p>
+          <a:p>
+            <a:pPr marL="0" indent="0" defTabSz="685800">
+              <a:spcBef>
+                <a:spcPts val="0"/>
+              </a:spcBef>
+              <a:buNone/>
+              <a:defRPr/>
+            </a:pPr>
+            <a:r>
+              <a:rPr lang="en-US" sz="2400" dirty="0">
+                <a:latin typeface="Consolas" panose="020B0609020204030204" pitchFamily="49" charset="0"/>
+              </a:rPr>
+              <a:t>	data = </a:t>
+            </a:r>
+            <a:r>
+              <a:rPr lang="en-US" sz="2400" dirty="0" err="1">
+                <a:latin typeface="Consolas" panose="020B0609020204030204" pitchFamily="49" charset="0"/>
+              </a:rPr>
+              <a:t>my_df</a:t>
+            </a:r>
+            <a:endParaRPr lang="en-US" sz="2400" dirty="0">
+              <a:latin typeface="Consolas" panose="020B0609020204030204" pitchFamily="49" charset="0"/>
+            </a:endParaRPr>
+          </a:p>
+          <a:p>
+            <a:pPr marL="0" indent="0" defTabSz="685800">
+              <a:spcBef>
+                <a:spcPts val="0"/>
+              </a:spcBef>
+              <a:buNone/>
+              <a:defRPr/>
+            </a:pPr>
+            <a:r>
+              <a:rPr lang="en-US" sz="2400" dirty="0">
+                <a:latin typeface="Consolas" panose="020B0609020204030204" pitchFamily="49" charset="0"/>
+              </a:rPr>
+              <a:t>)</a:t>
+            </a:r>
+          </a:p>
+          <a:p>
+            <a:pPr marL="0" indent="0" defTabSz="685800">
+              <a:spcBef>
+                <a:spcPts val="0"/>
+              </a:spcBef>
+              <a:buNone/>
+              <a:defRPr/>
+            </a:pPr>
+            <a:endParaRPr lang="en-US" sz="2400" dirty="0">
+              <a:latin typeface="Consolas" panose="020B0609020204030204" pitchFamily="49" charset="0"/>
+            </a:endParaRPr>
+          </a:p>
+          <a:p>
+            <a:pPr marL="0" indent="0" defTabSz="685800">
+              <a:spcBef>
+                <a:spcPts val="0"/>
+              </a:spcBef>
+              <a:buNone/>
+              <a:defRPr/>
+            </a:pPr>
+            <a:r>
+              <a:rPr lang="en-US" sz="2400" b="1" dirty="0">
+                <a:latin typeface="+mj-lt"/>
+              </a:rPr>
+              <a:t>Smoothed:</a:t>
+            </a:r>
+          </a:p>
+          <a:p>
+            <a:pPr marL="0" indent="0" defTabSz="685800">
+              <a:spcBef>
+                <a:spcPts val="0"/>
+              </a:spcBef>
+              <a:buNone/>
+              <a:defRPr/>
+            </a:pPr>
+            <a:r>
+              <a:rPr lang="en-US" sz="2400" dirty="0">
+                <a:latin typeface="Consolas" panose="020B0609020204030204" pitchFamily="49" charset="0"/>
+              </a:rPr>
+              <a:t>loess(y ~ x, data = </a:t>
+            </a:r>
+            <a:r>
+              <a:rPr lang="en-US" sz="2400" dirty="0" err="1">
+                <a:latin typeface="Consolas" panose="020B0609020204030204" pitchFamily="49" charset="0"/>
+              </a:rPr>
+              <a:t>my_df</a:t>
+            </a:r>
+            <a:r>
+              <a:rPr lang="en-US" sz="2400" dirty="0">
+                <a:latin typeface="Consolas" panose="020B0609020204030204" pitchFamily="49" charset="0"/>
+              </a:rPr>
+              <a:t>)</a:t>
+            </a:r>
+          </a:p>
+          <a:p>
+            <a:pPr marL="0" indent="0" defTabSz="685800">
+              <a:spcBef>
+                <a:spcPts val="0"/>
+              </a:spcBef>
+              <a:buNone/>
+              <a:defRPr/>
+            </a:pPr>
+            <a:endParaRPr lang="en-US" sz="2400" dirty="0">
+              <a:latin typeface="Consolas" panose="020B0609020204030204" pitchFamily="49" charset="0"/>
+            </a:endParaRPr>
+          </a:p>
+          <a:p>
+            <a:pPr marL="0" indent="0" defTabSz="685800">
+              <a:spcBef>
+                <a:spcPts val="0"/>
+              </a:spcBef>
+              <a:buNone/>
+              <a:defRPr/>
+            </a:pPr>
+            <a:r>
+              <a:rPr lang="en-US" sz="2400" b="1" dirty="0">
+                <a:latin typeface="+mj-lt"/>
+              </a:rPr>
+              <a:t>Bayesian Random Effects:</a:t>
+            </a:r>
+          </a:p>
+          <a:p>
+            <a:pPr marL="0" indent="0" defTabSz="685800">
+              <a:spcBef>
+                <a:spcPts val="0"/>
+              </a:spcBef>
+              <a:buNone/>
+              <a:defRPr/>
+            </a:pPr>
+            <a:r>
+              <a:rPr lang="en-US" sz="2400" dirty="0" err="1">
+                <a:latin typeface="Consolas" panose="020B0609020204030204" pitchFamily="49" charset="0"/>
+              </a:rPr>
+              <a:t>lmer</a:t>
+            </a:r>
+            <a:r>
+              <a:rPr lang="en-US" sz="2400" dirty="0">
+                <a:latin typeface="Consolas" panose="020B0609020204030204" pitchFamily="49" charset="0"/>
+              </a:rPr>
+              <a:t>(y ~ (x | group), data = </a:t>
+            </a:r>
+            <a:r>
+              <a:rPr lang="en-US" sz="2400" dirty="0" err="1">
+                <a:latin typeface="Consolas" panose="020B0609020204030204" pitchFamily="49" charset="0"/>
+              </a:rPr>
+              <a:t>my_df</a:t>
+            </a:r>
+            <a:r>
+              <a:rPr lang="en-US" sz="2400" dirty="0">
+                <a:latin typeface="Consolas" panose="020B0609020204030204" pitchFamily="49" charset="0"/>
+              </a:rPr>
+              <a:t>)</a:t>
             </a:r>
           </a:p>
         </p:txBody>
@@ -4663,7 +4884,7 @@
     </p:spTree>
     <p:extLst>
       <p:ext uri="{BB962C8B-B14F-4D97-AF65-F5344CB8AC3E}">
-        <p14:creationId xmlns:p14="http://schemas.microsoft.com/office/powerpoint/2010/main" val="597262402"/>
+        <p14:creationId xmlns:p14="http://schemas.microsoft.com/office/powerpoint/2010/main" val="332520821"/>
       </p:ext>
     </p:extLst>
   </p:cSld>
@@ -4692,7 +4913,13 @@
       </p:grpSpPr>
       <p:sp>
         <p:nvSpPr>
-          <p:cNvPr id="2" name="Title 1"/>
+          <p:cNvPr id="2" name="Title 1">
+            <a:extLst>
+              <a:ext uri="{FF2B5EF4-FFF2-40B4-BE49-F238E27FC236}">
+                <a16:creationId xmlns:a16="http://schemas.microsoft.com/office/drawing/2014/main" id="{1FAFE286-F366-662C-5102-CCA6ECA0CC28}"/>
+              </a:ext>
+            </a:extLst>
+          </p:cNvPr>
           <p:cNvSpPr>
             <a:spLocks noGrp="1"/>
           </p:cNvSpPr>
@@ -4705,153 +4932,51 @@
           <a:bodyPr/>
           <a:lstStyle/>
           <a:p>
+            <a:endParaRPr lang="en-US"/>
+          </a:p>
+        </p:txBody>
+      </p:sp>
+      <p:sp>
+        <p:nvSpPr>
+          <p:cNvPr id="3" name="Content Placeholder 2">
+            <a:extLst>
+              <a:ext uri="{FF2B5EF4-FFF2-40B4-BE49-F238E27FC236}">
+                <a16:creationId xmlns:a16="http://schemas.microsoft.com/office/drawing/2014/main" id="{0F5DCC33-4A02-D7B8-F3FE-B5F8E7A5728E}"/>
+              </a:ext>
+            </a:extLst>
+          </p:cNvPr>
+          <p:cNvSpPr>
+            <a:spLocks noGrp="1"/>
+          </p:cNvSpPr>
+          <p:nvPr>
+            <p:ph idx="1"/>
+          </p:nvPr>
+        </p:nvSpPr>
+        <p:spPr/>
+        <p:txBody>
+          <a:bodyPr/>
+          <a:lstStyle/>
+          <a:p>
+            <a:endParaRPr lang="en-US" dirty="0"/>
+          </a:p>
+          <a:p>
+            <a:endParaRPr lang="en-US" dirty="0"/>
+          </a:p>
+          <a:p>
+            <a:pPr marL="0" indent="0" algn="ctr">
+              <a:buNone/>
+            </a:pPr>
             <a:r>
               <a:rPr lang="en-US" dirty="0"/>
-              <a:t>Reflection</a:t>
-            </a:r>
-          </a:p>
-        </p:txBody>
-      </p:sp>
-      <p:sp>
-        <p:nvSpPr>
-          <p:cNvPr id="3" name="Content Placeholder 2"/>
-          <p:cNvSpPr>
-            <a:spLocks noGrp="1"/>
-          </p:cNvSpPr>
-          <p:nvPr>
-            <p:ph idx="1"/>
-          </p:nvPr>
-        </p:nvSpPr>
-        <p:spPr/>
-        <p:txBody>
-          <a:bodyPr>
-            <a:normAutofit fontScale="92500" lnSpcReduction="20000"/>
-          </a:bodyPr>
-          <a:lstStyle/>
-          <a:p>
-            <a:pPr marL="385763" indent="-385763">
-              <a:buAutoNum type="arabicPeriod"/>
-            </a:pPr>
-            <a:r>
-              <a:rPr lang="en-US" dirty="0"/>
-              <a:t>Intro to R </a:t>
-            </a:r>
-            <a:r>
-              <a:rPr lang="en-US" dirty="0" err="1"/>
-              <a:t>dataframes</a:t>
-            </a:r>
-            <a:endParaRPr lang="en-US" dirty="0"/>
-          </a:p>
-          <a:p>
-            <a:pPr marL="385763" indent="-385763">
-              <a:buAutoNum type="arabicPeriod"/>
-            </a:pPr>
-            <a:r>
-              <a:rPr lang="en-US" dirty="0"/>
-              <a:t>Visualizations with </a:t>
-            </a:r>
-            <a:r>
-              <a:rPr lang="en-US" dirty="0" err="1"/>
-              <a:t>ggplot</a:t>
-            </a:r>
-            <a:endParaRPr lang="en-US" b="1" dirty="0"/>
-          </a:p>
-          <a:p>
-            <a:pPr marL="385763" indent="-385763">
-              <a:buFont typeface="Arial" panose="020B0604020202020204" pitchFamily="34" charset="0"/>
-              <a:buAutoNum type="arabicPeriod"/>
-            </a:pPr>
-            <a:r>
-              <a:rPr lang="en-US" dirty="0"/>
-              <a:t>Data Wrangling with the </a:t>
-            </a:r>
-            <a:r>
-              <a:rPr lang="en-US" dirty="0" err="1"/>
-              <a:t>Tidyverse</a:t>
-            </a:r>
-            <a:endParaRPr lang="en-US" dirty="0"/>
-          </a:p>
-          <a:p>
-            <a:pPr marL="385763" indent="-385763">
-              <a:buAutoNum type="arabicPeriod"/>
-            </a:pPr>
-            <a:r>
-              <a:rPr lang="en-US" dirty="0"/>
-              <a:t>GIS with sf</a:t>
-            </a:r>
-          </a:p>
-          <a:p>
-            <a:pPr marL="385763" indent="-385763">
-              <a:buAutoNum type="arabicPeriod"/>
-            </a:pPr>
-            <a:r>
-              <a:rPr lang="en-US" dirty="0"/>
-              <a:t>Software Engineering for Researchers</a:t>
-            </a:r>
-          </a:p>
-          <a:p>
-            <a:pPr marL="385763" indent="-385763">
-              <a:buAutoNum type="arabicPeriod"/>
-            </a:pPr>
-            <a:r>
-              <a:rPr lang="en-US" dirty="0"/>
-              <a:t>Regression</a:t>
-            </a:r>
-          </a:p>
-          <a:p>
-            <a:pPr marL="385763" indent="-385763">
-              <a:buAutoNum type="arabicPeriod"/>
-            </a:pPr>
-            <a:endParaRPr lang="en-US" dirty="0"/>
-          </a:p>
-          <a:p>
-            <a:pPr marL="0" indent="0">
-              <a:buNone/>
-            </a:pPr>
-            <a:r>
-              <a:rPr lang="en-US" dirty="0"/>
-              <a:t>I’ll leave the </a:t>
-            </a:r>
-            <a:r>
-              <a:rPr lang="en-US" dirty="0" err="1"/>
-              <a:t>github</a:t>
-            </a:r>
-            <a:r>
-              <a:rPr lang="en-US" dirty="0"/>
-              <a:t> files up.</a:t>
-            </a:r>
-          </a:p>
-          <a:p>
-            <a:pPr marL="0" indent="0">
-              <a:buNone/>
-            </a:pPr>
-            <a:r>
-              <a:rPr lang="en-US" dirty="0"/>
-              <a:t>Feel free to email at </a:t>
-            </a:r>
-            <a:r>
-              <a:rPr lang="en-US" dirty="0">
-                <a:hlinkClick r:id="rId2"/>
-              </a:rPr>
-              <a:t>jonathan.tannen@gmail.com</a:t>
-            </a:r>
-            <a:r>
-              <a:rPr lang="en-US" dirty="0"/>
-              <a:t> </a:t>
-            </a:r>
-          </a:p>
-          <a:p>
-            <a:pPr marL="385763" indent="-385763">
-              <a:buAutoNum type="arabicPeriod"/>
-            </a:pPr>
-            <a:endParaRPr lang="en-US" dirty="0"/>
+              <a:t>Let’s do it.</a:t>
+            </a:r>
           </a:p>
         </p:txBody>
       </p:sp>
     </p:spTree>
     <p:extLst>
       <p:ext uri="{BB962C8B-B14F-4D97-AF65-F5344CB8AC3E}">
-        <p14:creationId xmlns:p14="http://schemas.microsoft.com/office/powerpoint/2010/main" val="3965328471"/>
+        <p14:creationId xmlns:p14="http://schemas.microsoft.com/office/powerpoint/2010/main" val="597262402"/>
       </p:ext>
     </p:extLst>
   </p:cSld>
